--- a/Presentation1.pptx
+++ b/Presentation1.pptx
@@ -181,7 +181,7 @@
             </a:lvl1pPr>
           </a:lstStyle>
           <a:p>
-            <a:endParaRPr lang="sv-SE" dirty="0"/>
+            <a:endParaRPr lang="sv-SE"/>
           </a:p>
         </p:txBody>
       </p:sp>
@@ -216,7 +216,7 @@
               <a:rPr lang="sv-SE" smtClean="0"/>
               <a:t>2023-09-07</a:t>
             </a:fld>
-            <a:endParaRPr lang="sv-SE" dirty="0"/>
+            <a:endParaRPr lang="sv-SE"/>
           </a:p>
         </p:txBody>
       </p:sp>
@@ -247,7 +247,7 @@
             </a:lvl1pPr>
           </a:lstStyle>
           <a:p>
-            <a:endParaRPr lang="sv-SE" dirty="0"/>
+            <a:endParaRPr lang="sv-SE"/>
           </a:p>
         </p:txBody>
       </p:sp>
@@ -282,7 +282,7 @@
               <a:rPr lang="sv-SE" smtClean="0"/>
               <a:t>‹#›</a:t>
             </a:fld>
-            <a:endParaRPr lang="sv-SE" dirty="0"/>
+            <a:endParaRPr lang="sv-SE"/>
           </a:p>
         </p:txBody>
       </p:sp>
@@ -346,7 +346,7 @@
             </a:lvl1pPr>
           </a:lstStyle>
           <a:p>
-            <a:endParaRPr lang="sv-SE" noProof="0" dirty="0"/>
+            <a:endParaRPr lang="sv-SE" noProof="0"/>
           </a:p>
         </p:txBody>
       </p:sp>
@@ -382,7 +382,7 @@
               <a:pPr/>
               <a:t>2023-09-07</a:t>
             </a:fld>
-            <a:endParaRPr lang="sv-SE" noProof="0" dirty="0"/>
+            <a:endParaRPr lang="sv-SE" noProof="0"/>
           </a:p>
         </p:txBody>
       </p:sp>
@@ -415,7 +415,7 @@
           <a:bodyPr vert="horz" lIns="91440" tIns="45720" rIns="91440" bIns="45720" rtlCol="0" anchor="ctr"/>
           <a:lstStyle/>
           <a:p>
-            <a:endParaRPr lang="sv-SE" noProof="0" dirty="0"/>
+            <a:endParaRPr lang="sv-SE" noProof="0"/>
           </a:p>
         </p:txBody>
       </p:sp>
@@ -444,35 +444,35 @@
           <a:p>
             <a:pPr lvl="0"/>
             <a:r>
-              <a:rPr lang="sv-SE" noProof="0" dirty="0"/>
+              <a:rPr lang="sv-SE" noProof="0"/>
               <a:t>Redigera format för bakgrundstext</a:t>
             </a:r>
           </a:p>
           <a:p>
             <a:pPr lvl="1"/>
             <a:r>
-              <a:rPr lang="sv-SE" noProof="0" dirty="0"/>
+              <a:rPr lang="sv-SE" noProof="0"/>
               <a:t>Nivå två</a:t>
             </a:r>
           </a:p>
           <a:p>
             <a:pPr lvl="2"/>
             <a:r>
-              <a:rPr lang="sv-SE" noProof="0" dirty="0"/>
+              <a:rPr lang="sv-SE" noProof="0"/>
               <a:t>Nivå tre</a:t>
             </a:r>
           </a:p>
           <a:p>
             <a:pPr lvl="3"/>
             <a:r>
-              <a:rPr lang="sv-SE" noProof="0" dirty="0"/>
+              <a:rPr lang="sv-SE" noProof="0"/>
               <a:t>Nivå fyra</a:t>
             </a:r>
           </a:p>
           <a:p>
             <a:pPr lvl="4"/>
             <a:r>
-              <a:rPr lang="sv-SE" noProof="0" dirty="0"/>
+              <a:rPr lang="sv-SE" noProof="0"/>
               <a:t>Nivå fem</a:t>
             </a:r>
           </a:p>
@@ -505,7 +505,7 @@
             </a:lvl1pPr>
           </a:lstStyle>
           <a:p>
-            <a:endParaRPr lang="sv-SE" noProof="0" dirty="0"/>
+            <a:endParaRPr lang="sv-SE" noProof="0"/>
           </a:p>
         </p:txBody>
       </p:sp>
@@ -540,7 +540,7 @@
               <a:rPr lang="sv-SE" noProof="0" smtClean="0"/>
               <a:t>‹#›</a:t>
             </a:fld>
-            <a:endParaRPr lang="sv-SE" noProof="0" dirty="0"/>
+            <a:endParaRPr lang="sv-SE" noProof="0"/>
           </a:p>
         </p:txBody>
       </p:sp>
@@ -691,7 +691,7 @@
           <a:bodyPr/>
           <a:lstStyle/>
           <a:p>
-            <a:endParaRPr lang="sv-SE" dirty="0"/>
+            <a:endParaRPr lang="sv-SE"/>
           </a:p>
         </p:txBody>
       </p:sp>
@@ -714,7 +714,7 @@
               <a:rPr lang="sv-SE" smtClean="0"/>
               <a:t>1</a:t>
             </a:fld>
-            <a:endParaRPr lang="sv-SE" dirty="0"/>
+            <a:endParaRPr lang="sv-SE"/>
           </a:p>
         </p:txBody>
       </p:sp>
@@ -799,7 +799,7 @@
           <a:lstStyle/>
           <a:p>
             <a:pPr algn="ctr" rtl="0"/>
-            <a:endParaRPr lang="sv-SE" noProof="0" dirty="0"/>
+            <a:endParaRPr lang="sv-SE" noProof="0"/>
           </a:p>
         </p:txBody>
       </p:sp>
@@ -1086,7 +1086,7 @@
           <a:p>
             <a:pPr rtl="0"/>
             <a:r>
-              <a:rPr lang="sv-SE" noProof="0" dirty="0"/>
+              <a:rPr lang="sv-SE" noProof="0"/>
               <a:t>Klicka här för att ändra format</a:t>
             </a:r>
           </a:p>
@@ -1163,7 +1163,7 @@
           <a:p>
             <a:pPr rtl="0"/>
             <a:r>
-              <a:rPr lang="sv-SE" noProof="0" dirty="0"/>
+              <a:rPr lang="sv-SE" noProof="0"/>
               <a:t>Klicka här för att ändra mall för underrubrikformat</a:t>
             </a:r>
           </a:p>
@@ -1203,7 +1203,7 @@
               <a:rPr lang="sv-SE" noProof="0" smtClean="0"/>
               <a:t>2023-09-07</a:t>
             </a:fld>
-            <a:endParaRPr lang="sv-SE" noProof="0" dirty="0"/>
+            <a:endParaRPr lang="sv-SE" noProof="0"/>
           </a:p>
         </p:txBody>
       </p:sp>
@@ -1239,7 +1239,7 @@
           </a:lstStyle>
           <a:p>
             <a:pPr rtl="0"/>
-            <a:endParaRPr lang="sv-SE" noProof="0" dirty="0"/>
+            <a:endParaRPr lang="sv-SE" noProof="0"/>
           </a:p>
         </p:txBody>
       </p:sp>
@@ -1279,7 +1279,7 @@
               <a:rPr lang="sv-SE" noProof="0" smtClean="0"/>
               <a:t>‹#›</a:t>
             </a:fld>
-            <a:endParaRPr lang="sv-SE" noProof="0" dirty="0"/>
+            <a:endParaRPr lang="sv-SE" noProof="0"/>
           </a:p>
         </p:txBody>
       </p:sp>
@@ -1330,7 +1330,7 @@
           <a:p>
             <a:pPr rtl="0"/>
             <a:r>
-              <a:rPr lang="sv-SE" noProof="0" dirty="0"/>
+              <a:rPr lang="sv-SE" noProof="0"/>
               <a:t>Klicka här för att ändra format</a:t>
             </a:r>
           </a:p>
@@ -1357,35 +1357,35 @@
           <a:p>
             <a:pPr lvl="0" rtl="0"/>
             <a:r>
-              <a:rPr lang="sv-SE" noProof="0" dirty="0"/>
+              <a:rPr lang="sv-SE" noProof="0"/>
               <a:t>Redigera format för bakgrundstext</a:t>
             </a:r>
           </a:p>
           <a:p>
             <a:pPr lvl="1" rtl="0"/>
             <a:r>
-              <a:rPr lang="sv-SE" noProof="0" dirty="0"/>
+              <a:rPr lang="sv-SE" noProof="0"/>
               <a:t>Nivå två</a:t>
             </a:r>
           </a:p>
           <a:p>
             <a:pPr lvl="2" rtl="0"/>
             <a:r>
-              <a:rPr lang="sv-SE" noProof="0" dirty="0"/>
+              <a:rPr lang="sv-SE" noProof="0"/>
               <a:t>Nivå tre</a:t>
             </a:r>
           </a:p>
           <a:p>
             <a:pPr lvl="3" rtl="0"/>
             <a:r>
-              <a:rPr lang="sv-SE" noProof="0" dirty="0"/>
+              <a:rPr lang="sv-SE" noProof="0"/>
               <a:t>Nivå fyra</a:t>
             </a:r>
           </a:p>
           <a:p>
             <a:pPr lvl="4" rtl="0"/>
             <a:r>
-              <a:rPr lang="sv-SE" noProof="0" dirty="0"/>
+              <a:rPr lang="sv-SE" noProof="0"/>
               <a:t>Nivå fem</a:t>
             </a:r>
           </a:p>
@@ -1411,7 +1411,7 @@
               <a:rPr lang="sv-SE" noProof="0" smtClean="0"/>
               <a:t>2023-09-07</a:t>
             </a:fld>
-            <a:endParaRPr lang="sv-SE" noProof="0" dirty="0"/>
+            <a:endParaRPr lang="sv-SE" noProof="0"/>
           </a:p>
         </p:txBody>
       </p:sp>
@@ -1431,7 +1431,7 @@
           <a:lstStyle/>
           <a:p>
             <a:pPr rtl="0"/>
-            <a:endParaRPr lang="sv-SE" noProof="0" dirty="0"/>
+            <a:endParaRPr lang="sv-SE" noProof="0"/>
           </a:p>
         </p:txBody>
       </p:sp>
@@ -1455,7 +1455,7 @@
               <a:rPr lang="sv-SE" noProof="0" smtClean="0"/>
               <a:t>‹#›</a:t>
             </a:fld>
-            <a:endParaRPr lang="sv-SE" noProof="0" dirty="0"/>
+            <a:endParaRPr lang="sv-SE" noProof="0"/>
           </a:p>
         </p:txBody>
       </p:sp>
@@ -1540,7 +1540,7 @@
           <a:lstStyle/>
           <a:p>
             <a:pPr algn="ctr" rtl="0"/>
-            <a:endParaRPr lang="sv-SE" noProof="0" dirty="0"/>
+            <a:endParaRPr lang="sv-SE" noProof="0"/>
           </a:p>
         </p:txBody>
       </p:sp>
@@ -1680,7 +1680,7 @@
           <a:p>
             <a:pPr rtl="0"/>
             <a:r>
-              <a:rPr lang="sv-SE" noProof="0" dirty="0"/>
+              <a:rPr lang="sv-SE" noProof="0"/>
               <a:t>Klicka här för att ändra format</a:t>
             </a:r>
           </a:p>
@@ -1971,7 +1971,7 @@
           <a:p>
             <a:pPr lvl="0" rtl="0"/>
             <a:r>
-              <a:rPr lang="sv-SE" noProof="0" dirty="0"/>
+              <a:rPr lang="sv-SE" noProof="0"/>
               <a:t>Redigera format för bakgrundstext</a:t>
             </a:r>
           </a:p>
@@ -2013,7 +2013,7 @@
               <a:rPr lang="sv-SE" noProof="0" smtClean="0"/>
               <a:t>2023-09-07</a:t>
             </a:fld>
-            <a:endParaRPr lang="sv-SE" noProof="0" dirty="0"/>
+            <a:endParaRPr lang="sv-SE" noProof="0"/>
           </a:p>
         </p:txBody>
       </p:sp>
@@ -2049,7 +2049,7 @@
           </a:lstStyle>
           <a:p>
             <a:pPr rtl="0"/>
-            <a:endParaRPr lang="sv-SE" noProof="0" dirty="0"/>
+            <a:endParaRPr lang="sv-SE" noProof="0"/>
           </a:p>
         </p:txBody>
       </p:sp>
@@ -2089,7 +2089,7 @@
               <a:rPr lang="sv-SE" noProof="0" smtClean="0"/>
               <a:t>‹#›</a:t>
             </a:fld>
-            <a:endParaRPr lang="sv-SE" noProof="0" dirty="0"/>
+            <a:endParaRPr lang="sv-SE" noProof="0"/>
           </a:p>
         </p:txBody>
       </p:sp>
@@ -2140,7 +2140,7 @@
           <a:p>
             <a:pPr rtl="0"/>
             <a:r>
-              <a:rPr lang="sv-SE" noProof="0" dirty="0"/>
+              <a:rPr lang="sv-SE" noProof="0"/>
               <a:t>Klicka för att ändra formatet för bakgrundsrubriken</a:t>
             </a:r>
           </a:p>
@@ -2196,35 +2196,35 @@
           <a:p>
             <a:pPr lvl="0" rtl="0"/>
             <a:r>
-              <a:rPr lang="sv-SE" noProof="0" dirty="0"/>
+              <a:rPr lang="sv-SE" noProof="0"/>
               <a:t>Redigera format för bakgrundstext</a:t>
             </a:r>
           </a:p>
           <a:p>
             <a:pPr lvl="1" rtl="0"/>
             <a:r>
-              <a:rPr lang="sv-SE" noProof="0" dirty="0"/>
+              <a:rPr lang="sv-SE" noProof="0"/>
               <a:t>Nivå två</a:t>
             </a:r>
           </a:p>
           <a:p>
             <a:pPr lvl="2" rtl="0"/>
             <a:r>
-              <a:rPr lang="sv-SE" noProof="0" dirty="0"/>
+              <a:rPr lang="sv-SE" noProof="0"/>
               <a:t>Nivå tre</a:t>
             </a:r>
           </a:p>
           <a:p>
             <a:pPr lvl="3" rtl="0"/>
             <a:r>
-              <a:rPr lang="sv-SE" noProof="0" dirty="0"/>
+              <a:rPr lang="sv-SE" noProof="0"/>
               <a:t>Nivå fyra</a:t>
             </a:r>
           </a:p>
           <a:p>
             <a:pPr lvl="4" rtl="0"/>
             <a:r>
-              <a:rPr lang="sv-SE" noProof="0" dirty="0"/>
+              <a:rPr lang="sv-SE" noProof="0"/>
               <a:t>Nivå fem</a:t>
             </a:r>
           </a:p>
@@ -2280,35 +2280,35 @@
           <a:p>
             <a:pPr lvl="0" rtl="0"/>
             <a:r>
-              <a:rPr lang="sv-SE" noProof="0" dirty="0"/>
+              <a:rPr lang="sv-SE" noProof="0"/>
               <a:t>Redigera format för bakgrundstext</a:t>
             </a:r>
           </a:p>
           <a:p>
             <a:pPr lvl="1" rtl="0"/>
             <a:r>
-              <a:rPr lang="sv-SE" noProof="0" dirty="0"/>
+              <a:rPr lang="sv-SE" noProof="0"/>
               <a:t>Nivå två</a:t>
             </a:r>
           </a:p>
           <a:p>
             <a:pPr lvl="2" rtl="0"/>
             <a:r>
-              <a:rPr lang="sv-SE" noProof="0" dirty="0"/>
+              <a:rPr lang="sv-SE" noProof="0"/>
               <a:t>Nivå tre</a:t>
             </a:r>
           </a:p>
           <a:p>
             <a:pPr lvl="3" rtl="0"/>
             <a:r>
-              <a:rPr lang="sv-SE" noProof="0" dirty="0"/>
+              <a:rPr lang="sv-SE" noProof="0"/>
               <a:t>Nivå fyra</a:t>
             </a:r>
           </a:p>
           <a:p>
             <a:pPr lvl="4" rtl="0"/>
             <a:r>
-              <a:rPr lang="sv-SE" noProof="0" dirty="0"/>
+              <a:rPr lang="sv-SE" noProof="0"/>
               <a:t>Nivå fem</a:t>
             </a:r>
           </a:p>
@@ -2334,7 +2334,7 @@
               <a:rPr lang="sv-SE" noProof="0" smtClean="0"/>
               <a:t>2023-09-07</a:t>
             </a:fld>
-            <a:endParaRPr lang="sv-SE" noProof="0" dirty="0"/>
+            <a:endParaRPr lang="sv-SE" noProof="0"/>
           </a:p>
         </p:txBody>
       </p:sp>
@@ -2354,7 +2354,7 @@
           <a:lstStyle/>
           <a:p>
             <a:pPr rtl="0"/>
-            <a:endParaRPr lang="sv-SE" noProof="0" dirty="0"/>
+            <a:endParaRPr lang="sv-SE" noProof="0"/>
           </a:p>
         </p:txBody>
       </p:sp>
@@ -2378,7 +2378,7 @@
               <a:rPr lang="sv-SE" noProof="0" smtClean="0"/>
               <a:t>‹#›</a:t>
             </a:fld>
-            <a:endParaRPr lang="sv-SE" noProof="0" dirty="0"/>
+            <a:endParaRPr lang="sv-SE" noProof="0"/>
           </a:p>
         </p:txBody>
       </p:sp>
@@ -2429,7 +2429,7 @@
           <a:p>
             <a:pPr rtl="0"/>
             <a:r>
-              <a:rPr lang="sv-SE" noProof="0" dirty="0"/>
+              <a:rPr lang="sv-SE" noProof="0"/>
               <a:t>Klicka här för att ändra format</a:t>
             </a:r>
           </a:p>
@@ -2504,7 +2504,7 @@
           <a:p>
             <a:pPr lvl="0" rtl="0"/>
             <a:r>
-              <a:rPr lang="sv-SE" noProof="0" dirty="0"/>
+              <a:rPr lang="sv-SE" noProof="0"/>
               <a:t>Redigera format för bakgrundstext</a:t>
             </a:r>
           </a:p>
@@ -2560,35 +2560,35 @@
           <a:p>
             <a:pPr lvl="0" rtl="0"/>
             <a:r>
-              <a:rPr lang="sv-SE" noProof="0" dirty="0"/>
+              <a:rPr lang="sv-SE" noProof="0"/>
               <a:t>Redigera format för bakgrundstext</a:t>
             </a:r>
           </a:p>
           <a:p>
             <a:pPr lvl="1" rtl="0"/>
             <a:r>
-              <a:rPr lang="sv-SE" noProof="0" dirty="0"/>
+              <a:rPr lang="sv-SE" noProof="0"/>
               <a:t>Nivå två</a:t>
             </a:r>
           </a:p>
           <a:p>
             <a:pPr lvl="2" rtl="0"/>
             <a:r>
-              <a:rPr lang="sv-SE" noProof="0" dirty="0"/>
+              <a:rPr lang="sv-SE" noProof="0"/>
               <a:t>Nivå tre</a:t>
             </a:r>
           </a:p>
           <a:p>
             <a:pPr lvl="3" rtl="0"/>
             <a:r>
-              <a:rPr lang="sv-SE" noProof="0" dirty="0"/>
+              <a:rPr lang="sv-SE" noProof="0"/>
               <a:t>Nivå fyra</a:t>
             </a:r>
           </a:p>
           <a:p>
             <a:pPr lvl="4" rtl="0"/>
             <a:r>
-              <a:rPr lang="sv-SE" noProof="0" dirty="0"/>
+              <a:rPr lang="sv-SE" noProof="0"/>
               <a:t>Nivå fem</a:t>
             </a:r>
           </a:p>
@@ -2662,7 +2662,7 @@
           <a:p>
             <a:pPr lvl="0" rtl="0"/>
             <a:r>
-              <a:rPr lang="sv-SE" noProof="0" dirty="0"/>
+              <a:rPr lang="sv-SE" noProof="0"/>
               <a:t>Redigera format för bakgrundstext</a:t>
             </a:r>
           </a:p>
@@ -2718,35 +2718,35 @@
           <a:p>
             <a:pPr lvl="0" rtl="0"/>
             <a:r>
-              <a:rPr lang="sv-SE" noProof="0" dirty="0"/>
+              <a:rPr lang="sv-SE" noProof="0"/>
               <a:t>Redigera format för bakgrundstext</a:t>
             </a:r>
           </a:p>
           <a:p>
             <a:pPr lvl="1" rtl="0"/>
             <a:r>
-              <a:rPr lang="sv-SE" noProof="0" dirty="0"/>
+              <a:rPr lang="sv-SE" noProof="0"/>
               <a:t>Nivå två</a:t>
             </a:r>
           </a:p>
           <a:p>
             <a:pPr lvl="2" rtl="0"/>
             <a:r>
-              <a:rPr lang="sv-SE" noProof="0" dirty="0"/>
+              <a:rPr lang="sv-SE" noProof="0"/>
               <a:t>Nivå tre</a:t>
             </a:r>
           </a:p>
           <a:p>
             <a:pPr lvl="3" rtl="0"/>
             <a:r>
-              <a:rPr lang="sv-SE" noProof="0" dirty="0"/>
+              <a:rPr lang="sv-SE" noProof="0"/>
               <a:t>Nivå fyra</a:t>
             </a:r>
           </a:p>
           <a:p>
             <a:pPr lvl="4" rtl="0"/>
             <a:r>
-              <a:rPr lang="sv-SE" noProof="0" dirty="0"/>
+              <a:rPr lang="sv-SE" noProof="0"/>
               <a:t>Nivå fem</a:t>
             </a:r>
           </a:p>
@@ -2772,7 +2772,7 @@
               <a:rPr lang="sv-SE" noProof="0" smtClean="0"/>
               <a:t>2023-09-07</a:t>
             </a:fld>
-            <a:endParaRPr lang="sv-SE" noProof="0" dirty="0"/>
+            <a:endParaRPr lang="sv-SE" noProof="0"/>
           </a:p>
         </p:txBody>
       </p:sp>
@@ -2792,7 +2792,7 @@
           <a:lstStyle/>
           <a:p>
             <a:pPr rtl="0"/>
-            <a:endParaRPr lang="sv-SE" noProof="0" dirty="0"/>
+            <a:endParaRPr lang="sv-SE" noProof="0"/>
           </a:p>
         </p:txBody>
       </p:sp>
@@ -2816,7 +2816,7 @@
               <a:rPr lang="sv-SE" noProof="0" smtClean="0"/>
               <a:t>‹#›</a:t>
             </a:fld>
-            <a:endParaRPr lang="sv-SE" noProof="0" dirty="0"/>
+            <a:endParaRPr lang="sv-SE" noProof="0"/>
           </a:p>
         </p:txBody>
       </p:sp>
@@ -2867,7 +2867,7 @@
           <a:p>
             <a:pPr rtl="0"/>
             <a:r>
-              <a:rPr lang="sv-SE" noProof="0" dirty="0"/>
+              <a:rPr lang="sv-SE" noProof="0"/>
               <a:t>Klicka här för att ändra format</a:t>
             </a:r>
           </a:p>
@@ -2893,7 +2893,7 @@
               <a:rPr lang="sv-SE" noProof="0" smtClean="0"/>
               <a:t>2023-09-07</a:t>
             </a:fld>
-            <a:endParaRPr lang="sv-SE" noProof="0" dirty="0"/>
+            <a:endParaRPr lang="sv-SE" noProof="0"/>
           </a:p>
         </p:txBody>
       </p:sp>
@@ -2913,7 +2913,7 @@
           <a:lstStyle/>
           <a:p>
             <a:pPr rtl="0"/>
-            <a:endParaRPr lang="sv-SE" noProof="0" dirty="0"/>
+            <a:endParaRPr lang="sv-SE" noProof="0"/>
           </a:p>
         </p:txBody>
       </p:sp>
@@ -2937,7 +2937,7 @@
               <a:rPr lang="sv-SE" noProof="0" smtClean="0"/>
               <a:t>‹#›</a:t>
             </a:fld>
-            <a:endParaRPr lang="sv-SE" noProof="0" dirty="0"/>
+            <a:endParaRPr lang="sv-SE" noProof="0"/>
           </a:p>
         </p:txBody>
       </p:sp>
@@ -2991,7 +2991,7 @@
               <a:rPr lang="sv-SE" noProof="0" smtClean="0"/>
               <a:t>2023-09-07</a:t>
             </a:fld>
-            <a:endParaRPr lang="sv-SE" noProof="0" dirty="0"/>
+            <a:endParaRPr lang="sv-SE" noProof="0"/>
           </a:p>
         </p:txBody>
       </p:sp>
@@ -3011,7 +3011,7 @@
           <a:lstStyle/>
           <a:p>
             <a:pPr rtl="0"/>
-            <a:endParaRPr lang="sv-SE" noProof="0" dirty="0"/>
+            <a:endParaRPr lang="sv-SE" noProof="0"/>
           </a:p>
         </p:txBody>
       </p:sp>
@@ -3035,7 +3035,7 @@
               <a:rPr lang="sv-SE" noProof="0" smtClean="0"/>
               <a:t>‹#›</a:t>
             </a:fld>
-            <a:endParaRPr lang="sv-SE" noProof="0" dirty="0"/>
+            <a:endParaRPr lang="sv-SE" noProof="0"/>
           </a:p>
         </p:txBody>
       </p:sp>
@@ -3207,7 +3207,7 @@
           <a:p>
             <a:pPr rtl="0"/>
             <a:r>
-              <a:rPr lang="sv-SE" noProof="0" dirty="0"/>
+              <a:rPr lang="sv-SE" noProof="0"/>
               <a:t>Klicka här för att ändra format</a:t>
             </a:r>
           </a:p>
@@ -3263,35 +3263,35 @@
           <a:p>
             <a:pPr lvl="0" rtl="0"/>
             <a:r>
-              <a:rPr lang="sv-SE" noProof="0" dirty="0"/>
+              <a:rPr lang="sv-SE" noProof="0"/>
               <a:t>Redigera format för bakgrundstext</a:t>
             </a:r>
           </a:p>
           <a:p>
             <a:pPr lvl="1" rtl="0"/>
             <a:r>
-              <a:rPr lang="sv-SE" noProof="0" dirty="0"/>
+              <a:rPr lang="sv-SE" noProof="0"/>
               <a:t>Nivå två</a:t>
             </a:r>
           </a:p>
           <a:p>
             <a:pPr lvl="2" rtl="0"/>
             <a:r>
-              <a:rPr lang="sv-SE" noProof="0" dirty="0"/>
+              <a:rPr lang="sv-SE" noProof="0"/>
               <a:t>Nivå tre</a:t>
             </a:r>
           </a:p>
           <a:p>
             <a:pPr lvl="3" rtl="0"/>
             <a:r>
-              <a:rPr lang="sv-SE" noProof="0" dirty="0"/>
+              <a:rPr lang="sv-SE" noProof="0"/>
               <a:t>Nivå fyra</a:t>
             </a:r>
           </a:p>
           <a:p>
             <a:pPr lvl="4" rtl="0"/>
             <a:r>
-              <a:rPr lang="sv-SE" noProof="0" dirty="0"/>
+              <a:rPr lang="sv-SE" noProof="0"/>
               <a:t>Nivå fem</a:t>
             </a:r>
           </a:p>
@@ -3368,7 +3368,7 @@
           <a:p>
             <a:pPr lvl="0" rtl="0"/>
             <a:r>
-              <a:rPr lang="sv-SE" noProof="0" dirty="0"/>
+              <a:rPr lang="sv-SE" noProof="0"/>
               <a:t>Redigera format för bakgrundstext</a:t>
             </a:r>
           </a:p>
@@ -3410,7 +3410,7 @@
               <a:rPr lang="sv-SE" noProof="0" smtClean="0"/>
               <a:t>2023-09-07</a:t>
             </a:fld>
-            <a:endParaRPr lang="sv-SE" noProof="0" dirty="0"/>
+            <a:endParaRPr lang="sv-SE" noProof="0"/>
           </a:p>
         </p:txBody>
       </p:sp>
@@ -3439,7 +3439,7 @@
           </a:lstStyle>
           <a:p>
             <a:pPr rtl="0"/>
-            <a:endParaRPr lang="sv-SE" noProof="0" dirty="0"/>
+            <a:endParaRPr lang="sv-SE" noProof="0"/>
           </a:p>
         </p:txBody>
       </p:sp>
@@ -3479,7 +3479,7 @@
               <a:rPr lang="sv-SE" noProof="0" smtClean="0"/>
               <a:t>‹#›</a:t>
             </a:fld>
-            <a:endParaRPr lang="sv-SE" noProof="0" dirty="0"/>
+            <a:endParaRPr lang="sv-SE" noProof="0"/>
           </a:p>
         </p:txBody>
       </p:sp>
@@ -3628,7 +3628,7 @@
           <a:p>
             <a:pPr rtl="0"/>
             <a:r>
-              <a:rPr lang="sv-SE" noProof="0" dirty="0"/>
+              <a:rPr lang="sv-SE" noProof="0"/>
               <a:t>Klicka på ikonen för att lägga till bild</a:t>
             </a:r>
           </a:p>
@@ -3674,7 +3674,7 @@
               <a:rPr lang="sv-SE" noProof="0" smtClean="0"/>
               <a:t>2023-09-07</a:t>
             </a:fld>
-            <a:endParaRPr lang="sv-SE" noProof="0" dirty="0"/>
+            <a:endParaRPr lang="sv-SE" noProof="0"/>
           </a:p>
         </p:txBody>
       </p:sp>
@@ -3717,7 +3717,7 @@
           </a:lstStyle>
           <a:p>
             <a:pPr algn="l" rtl="0"/>
-            <a:endParaRPr lang="sv-SE" noProof="0" dirty="0"/>
+            <a:endParaRPr lang="sv-SE" noProof="0"/>
           </a:p>
         </p:txBody>
       </p:sp>
@@ -3746,7 +3746,7 @@
               <a:rPr lang="sv-SE" noProof="0" smtClean="0"/>
               <a:t>‹#›</a:t>
             </a:fld>
-            <a:endParaRPr lang="sv-SE" noProof="0" dirty="0"/>
+            <a:endParaRPr lang="sv-SE" noProof="0"/>
           </a:p>
         </p:txBody>
       </p:sp>
@@ -3834,7 +3834,7 @@
           <a:p>
             <a:pPr rtl="0"/>
             <a:r>
-              <a:rPr lang="sv-SE" noProof="0" dirty="0"/>
+              <a:rPr lang="sv-SE" noProof="0"/>
               <a:t>Klicka här för att ändra format</a:t>
             </a:r>
           </a:p>
@@ -3911,7 +3911,7 @@
           <a:p>
             <a:pPr lvl="0" rtl="0"/>
             <a:r>
-              <a:rPr lang="sv-SE" noProof="0" dirty="0"/>
+              <a:rPr lang="sv-SE" noProof="0"/>
               <a:t>Redigera format för bakgrundstext</a:t>
             </a:r>
           </a:p>
@@ -3997,7 +3997,7 @@
           <a:lstStyle/>
           <a:p>
             <a:pPr algn="ctr" rtl="0"/>
-            <a:endParaRPr lang="sv-SE" noProof="0" dirty="0"/>
+            <a:endParaRPr lang="sv-SE" noProof="0"/>
           </a:p>
         </p:txBody>
       </p:sp>
@@ -4085,7 +4085,7 @@
           <a:p>
             <a:pPr rtl="0"/>
             <a:r>
-              <a:rPr lang="sv-SE" noProof="0" dirty="0"/>
+              <a:rPr lang="sv-SE" noProof="0"/>
               <a:t>Redigera format för rubrik</a:t>
             </a:r>
           </a:p>
@@ -4118,35 +4118,35 @@
           <a:p>
             <a:pPr lvl="0" rtl="0"/>
             <a:r>
-              <a:rPr lang="sv-SE" noProof="0" dirty="0"/>
+              <a:rPr lang="sv-SE" noProof="0"/>
               <a:t>Redigera format för bakgrundstext</a:t>
             </a:r>
           </a:p>
           <a:p>
             <a:pPr lvl="1" rtl="0"/>
             <a:r>
-              <a:rPr lang="sv-SE" noProof="0" dirty="0"/>
+              <a:rPr lang="sv-SE" noProof="0"/>
               <a:t>Nivå två</a:t>
             </a:r>
           </a:p>
           <a:p>
             <a:pPr lvl="2" rtl="0"/>
             <a:r>
-              <a:rPr lang="sv-SE" noProof="0" dirty="0"/>
+              <a:rPr lang="sv-SE" noProof="0"/>
               <a:t>Nivå tre</a:t>
             </a:r>
           </a:p>
           <a:p>
             <a:pPr lvl="3" rtl="0"/>
             <a:r>
-              <a:rPr lang="sv-SE" noProof="0" dirty="0"/>
+              <a:rPr lang="sv-SE" noProof="0"/>
               <a:t>Nivå fyra</a:t>
             </a:r>
           </a:p>
           <a:p>
             <a:pPr lvl="4" rtl="0"/>
             <a:r>
-              <a:rPr lang="sv-SE" noProof="0" dirty="0"/>
+              <a:rPr lang="sv-SE" noProof="0"/>
               <a:t>Nivå fem</a:t>
             </a:r>
           </a:p>
@@ -4191,7 +4191,7 @@
               <a:rPr lang="sv-SE" noProof="0" smtClean="0"/>
               <a:t>2023-09-07</a:t>
             </a:fld>
-            <a:endParaRPr lang="sv-SE" noProof="0" dirty="0"/>
+            <a:endParaRPr lang="sv-SE" noProof="0"/>
           </a:p>
         </p:txBody>
       </p:sp>
@@ -4230,7 +4230,7 @@
           </a:lstStyle>
           <a:p>
             <a:pPr rtl="0"/>
-            <a:endParaRPr lang="sv-SE" noProof="0" dirty="0"/>
+            <a:endParaRPr lang="sv-SE" noProof="0"/>
           </a:p>
         </p:txBody>
       </p:sp>
@@ -4273,7 +4273,7 @@
               <a:rPr lang="sv-SE" noProof="0" smtClean="0"/>
               <a:t>‹#›</a:t>
             </a:fld>
-            <a:endParaRPr lang="sv-SE" noProof="0" dirty="0"/>
+            <a:endParaRPr lang="sv-SE" noProof="0"/>
           </a:p>
         </p:txBody>
       </p:sp>
@@ -4826,11 +4826,6 @@
               </a:rPr>
               <a:t>Presentation om mig själv</a:t>
             </a:r>
-            <a:endParaRPr lang="sv-SE" sz="4400" dirty="0">
-              <a:solidFill>
-                <a:schemeClr val="tx1"/>
-              </a:solidFill>
-            </a:endParaRPr>
           </a:p>
         </p:txBody>
       </p:sp>
@@ -4867,7 +4862,7 @@
                 <a:spcPts val="600"/>
               </a:spcAft>
             </a:pPr>
-            <a:endParaRPr lang="sv-SE" dirty="0">
+            <a:endParaRPr lang="sv-SE">
               <a:solidFill>
                 <a:schemeClr val="tx1"/>
               </a:solidFill>
@@ -4957,7 +4952,7 @@
           <a:lstStyle/>
           <a:p>
             <a:r>
-              <a:rPr lang="sv-SE" dirty="0"/>
+              <a:rPr lang="sv-SE"/>
               <a:t>Vart Jag är född</a:t>
             </a:r>
           </a:p>
@@ -4968,7 +4963,7 @@
               </a:buClr>
             </a:pPr>
             <a:r>
-              <a:rPr lang="sv-SE" dirty="0"/>
+              <a:rPr lang="sv-SE"/>
               <a:t>Vart jag växte upp</a:t>
             </a:r>
           </a:p>
@@ -4979,15 +4974,15 @@
               </a:buClr>
             </a:pPr>
             <a:r>
-              <a:rPr lang="sv-SE" dirty="0"/>
+              <a:rPr lang="sv-SE"/>
               <a:t>Gymnasium – IT College </a:t>
             </a:r>
             <a:r>
-              <a:rPr lang="sv-SE" dirty="0" err="1"/>
+              <a:rPr lang="sv-SE" err="1"/>
               <a:t>of</a:t>
             </a:r>
             <a:r>
-              <a:rPr lang="sv-SE" dirty="0"/>
+              <a:rPr lang="sv-SE"/>
               <a:t> Sweden / Arena Academy</a:t>
             </a:r>
           </a:p>
@@ -4998,7 +4993,7 @@
               </a:buClr>
             </a:pPr>
             <a:r>
-              <a:rPr lang="sv-SE" dirty="0"/>
+              <a:rPr lang="sv-SE"/>
               <a:t>Student på KTH</a:t>
             </a:r>
           </a:p>
@@ -5094,7 +5089,7 @@
               </a:buClr>
             </a:pPr>
             <a:r>
-              <a:rPr lang="sv-SE" dirty="0"/>
+              <a:rPr lang="sv-SE"/>
               <a:t>Programmering</a:t>
             </a:r>
           </a:p>
@@ -5105,7 +5100,7 @@
               </a:buClr>
             </a:pPr>
             <a:r>
-              <a:rPr lang="sv-SE" dirty="0"/>
+              <a:rPr lang="sv-SE"/>
               <a:t>C++</a:t>
             </a:r>
           </a:p>
@@ -5116,7 +5111,7 @@
               </a:buClr>
             </a:pPr>
             <a:r>
-              <a:rPr lang="sv-SE" dirty="0"/>
+              <a:rPr lang="sv-SE"/>
               <a:t>C#</a:t>
             </a:r>
           </a:p>
@@ -5127,10 +5122,10 @@
               </a:buClr>
             </a:pPr>
             <a:r>
-              <a:rPr lang="sv-SE" dirty="0" err="1"/>
+              <a:rPr lang="sv-SE" err="1"/>
               <a:t>Python</a:t>
             </a:r>
-            <a:endParaRPr lang="sv-SE" dirty="0"/>
+            <a:endParaRPr lang="sv-SE"/>
           </a:p>
           <a:p>
             <a:pPr marL="560070" lvl="1" indent="-285750">
@@ -5139,7 +5134,7 @@
               </a:buClr>
             </a:pPr>
             <a:r>
-              <a:rPr lang="sv-SE" dirty="0"/>
+              <a:rPr lang="sv-SE"/>
               <a:t>HTML+CSS</a:t>
             </a:r>
           </a:p>
@@ -5150,7 +5145,7 @@
               </a:buClr>
             </a:pPr>
             <a:r>
-              <a:rPr lang="sv-SE" dirty="0"/>
+              <a:rPr lang="sv-SE"/>
               <a:t>Java</a:t>
             </a:r>
           </a:p>
@@ -5161,10 +5156,10 @@
               </a:buClr>
             </a:pPr>
             <a:r>
-              <a:rPr lang="sv-SE" dirty="0" err="1"/>
+              <a:rPr lang="sv-SE" err="1"/>
               <a:t>Javascript</a:t>
             </a:r>
-            <a:endParaRPr lang="sv-SE" dirty="0"/>
+            <a:endParaRPr lang="sv-SE"/>
           </a:p>
           <a:p>
             <a:pPr marL="285750" indent="-285750">
@@ -5173,7 +5168,7 @@
               </a:buClr>
             </a:pPr>
             <a:r>
-              <a:rPr lang="sv-SE" dirty="0"/>
+              <a:rPr lang="sv-SE"/>
               <a:t>Skapa spel/program</a:t>
             </a:r>
           </a:p>
@@ -5184,7 +5179,7 @@
               </a:buClr>
             </a:pPr>
             <a:r>
-              <a:rPr lang="sv-SE" dirty="0"/>
+              <a:rPr lang="sv-SE"/>
               <a:t>Datorspel</a:t>
             </a:r>
           </a:p>
@@ -5195,7 +5190,7 @@
               </a:buClr>
             </a:pPr>
             <a:r>
-              <a:rPr lang="sv-SE" dirty="0"/>
+              <a:rPr lang="sv-SE"/>
               <a:t>VR</a:t>
             </a:r>
           </a:p>
@@ -5283,7 +5278,7 @@
           <a:lstStyle/>
           <a:p>
             <a:r>
-              <a:rPr lang="sv-SE" dirty="0"/>
+              <a:rPr lang="sv-SE"/>
               <a:t>Växte upp i Sverige</a:t>
             </a:r>
           </a:p>
@@ -5294,7 +5289,7 @@
               </a:buClr>
             </a:pPr>
             <a:r>
-              <a:rPr lang="sv-SE" dirty="0"/>
+              <a:rPr lang="sv-SE"/>
               <a:t>Gick på Arena Academy - gymnasium</a:t>
             </a:r>
           </a:p>
@@ -5305,7 +5300,7 @@
               </a:buClr>
             </a:pPr>
             <a:r>
-              <a:rPr lang="sv-SE" dirty="0"/>
+              <a:rPr lang="sv-SE"/>
               <a:t>Går på KTH - högskola</a:t>
             </a:r>
           </a:p>
@@ -5316,7 +5311,7 @@
               </a:buClr>
             </a:pPr>
             <a:r>
-              <a:rPr lang="sv-SE" dirty="0"/>
+              <a:rPr lang="sv-SE"/>
               <a:t>Programmering</a:t>
             </a:r>
           </a:p>
@@ -5327,7 +5322,7 @@
               </a:buClr>
             </a:pPr>
             <a:r>
-              <a:rPr lang="sv-SE" dirty="0"/>
+              <a:rPr lang="sv-SE"/>
               <a:t>Spel/program</a:t>
             </a:r>
           </a:p>
@@ -5338,7 +5333,7 @@
               </a:buClr>
             </a:pPr>
             <a:r>
-              <a:rPr lang="sv-SE" dirty="0"/>
+              <a:rPr lang="sv-SE"/>
               <a:t>VR</a:t>
             </a:r>
           </a:p>
@@ -6156,6 +6151,15 @@
 </file>
 
 <file path=customXml/item1.xml><?xml version="1.0" encoding="utf-8"?>
+<?mso-contentType ?>
+<FormTemplates xmlns="http://schemas.microsoft.com/sharepoint/v3/contenttype/forms">
+  <Display>DocumentLibraryForm</Display>
+  <Edit>DocumentLibraryForm</Edit>
+  <New>DocumentLibraryForm</New>
+</FormTemplates>
+</file>
+
+<file path=customXml/item2.xml><?xml version="1.0" encoding="utf-8"?>
 <ct:contentTypeSchema xmlns:ct="http://schemas.microsoft.com/office/2006/metadata/contentType" xmlns:ma="http://schemas.microsoft.com/office/2006/metadata/properties/metaAttributes" ct:_="" ma:_="" ma:contentTypeName="Document" ma:contentTypeID="0x01010079F111ED35F8CC479449609E8A0923A6" ma:contentTypeVersion="12" ma:contentTypeDescription="Create a new document." ma:contentTypeScope="" ma:versionID="a410dd7f93c95333ffa1b60ed6adedd1">
   <xsd:schema xmlns:xsd="http://www.w3.org/2001/XMLSchema" xmlns:xs="http://www.w3.org/2001/XMLSchema" xmlns:p="http://schemas.microsoft.com/office/2006/metadata/properties" xmlns:ns2="71af3243-3dd4-4a8d-8c0d-dd76da1f02a5" xmlns:ns3="16c05727-aa75-4e4a-9b5f-8a80a1165891" targetNamespace="http://schemas.microsoft.com/office/2006/metadata/properties" ma:root="true" ma:fieldsID="a936d9baba76aa3866493feff160faab" ns2:_="" ns3:_="">
     <xsd:import namespace="71af3243-3dd4-4a8d-8c0d-dd76da1f02a5"/>
@@ -6376,7 +6380,7 @@
 </ct:contentTypeSchema>
 </file>
 
-<file path=customXml/item2.xml><?xml version="1.0" encoding="utf-8"?>
+<file path=customXml/item3.xml><?xml version="1.0" encoding="utf-8"?>
 <p:properties xmlns:p="http://schemas.microsoft.com/office/2006/metadata/properties" xmlns:xsi="http://www.w3.org/2001/XMLSchema-instance" xmlns:pc="http://schemas.microsoft.com/office/infopath/2007/PartnerControls">
   <documentManagement>
     <Status xmlns="71af3243-3dd4-4a8d-8c0d-dd76da1f02a5">Not started</Status>
@@ -6385,48 +6389,39 @@
 </p:properties>
 </file>
 
-<file path=customXml/item3.xml><?xml version="1.0" encoding="utf-8"?>
-<?mso-contentType ?>
-<FormTemplates xmlns="http://schemas.microsoft.com/sharepoint/v3/contenttype/forms">
-  <Display>DocumentLibraryForm</Display>
-  <Edit>DocumentLibraryForm</Edit>
-  <New>DocumentLibraryForm</New>
-</FormTemplates>
-</file>
-
 <file path=customXml/itemProps1.xml><?xml version="1.0" encoding="utf-8"?>
-<ds:datastoreItem xmlns:ds="http://schemas.openxmlformats.org/officeDocument/2006/customXml" ds:itemID="{E4487CEA-7875-4327-875F-CA3B32E8009E}">
+<ds:datastoreItem xmlns:ds="http://schemas.openxmlformats.org/officeDocument/2006/customXml" ds:itemID="{7745B92C-4D89-4324-B52D-E1F5F627B790}">
   <ds:schemaRefs>
-    <ds:schemaRef ds:uri="http://schemas.microsoft.com/office/2006/metadata/contentType"/>
-    <ds:schemaRef ds:uri="http://schemas.microsoft.com/office/2006/metadata/properties/metaAttributes"/>
-    <ds:schemaRef ds:uri="http://www.w3.org/2001/XMLSchema"/>
-    <ds:schemaRef ds:uri="http://schemas.microsoft.com/office/2006/metadata/properties"/>
-    <ds:schemaRef ds:uri="71af3243-3dd4-4a8d-8c0d-dd76da1f02a5"/>
-    <ds:schemaRef ds:uri="16c05727-aa75-4e4a-9b5f-8a80a1165891"/>
-    <ds:schemaRef ds:uri="http://schemas.microsoft.com/office/2006/documentManagement/types"/>
-    <ds:schemaRef ds:uri="http://schemas.microsoft.com/office/infopath/2007/PartnerControls"/>
-    <ds:schemaRef ds:uri="http://schemas.openxmlformats.org/package/2006/metadata/core-properties"/>
-    <ds:schemaRef ds:uri="http://purl.org/dc/elements/1.1/"/>
-    <ds:schemaRef ds:uri="http://purl.org/dc/terms/"/>
-    <ds:schemaRef ds:uri="http://schemas.microsoft.com/internal/obd"/>
+    <ds:schemaRef ds:uri="http://schemas.microsoft.com/sharepoint/v3/contenttype/forms"/>
   </ds:schemaRefs>
 </ds:datastoreItem>
 </file>
 
 <file path=customXml/itemProps2.xml><?xml version="1.0" encoding="utf-8"?>
-<ds:datastoreItem xmlns:ds="http://schemas.openxmlformats.org/officeDocument/2006/customXml" ds:itemID="{E7228C0C-F774-4270-99CB-314B07EBFBE7}">
+<ds:datastoreItem xmlns:ds="http://schemas.openxmlformats.org/officeDocument/2006/customXml" ds:itemID="{E4487CEA-7875-4327-875F-CA3B32E8009E}">
   <ds:schemaRefs>
+    <ds:schemaRef ds:uri="16c05727-aa75-4e4a-9b5f-8a80a1165891"/>
+    <ds:schemaRef ds:uri="71af3243-3dd4-4a8d-8c0d-dd76da1f02a5"/>
+    <ds:schemaRef ds:uri="http://purl.org/dc/elements/1.1/"/>
+    <ds:schemaRef ds:uri="http://purl.org/dc/terms/"/>
+    <ds:schemaRef ds:uri="http://schemas.microsoft.com/internal/obd"/>
+    <ds:schemaRef ds:uri="http://schemas.microsoft.com/office/2006/documentManagement/types"/>
+    <ds:schemaRef ds:uri="http://schemas.microsoft.com/office/2006/metadata/contentType"/>
     <ds:schemaRef ds:uri="http://schemas.microsoft.com/office/2006/metadata/properties"/>
+    <ds:schemaRef ds:uri="http://schemas.microsoft.com/office/2006/metadata/properties/metaAttributes"/>
     <ds:schemaRef ds:uri="http://schemas.microsoft.com/office/infopath/2007/PartnerControls"/>
-    <ds:schemaRef ds:uri="71af3243-3dd4-4a8d-8c0d-dd76da1f02a5"/>
+    <ds:schemaRef ds:uri="http://schemas.openxmlformats.org/package/2006/metadata/core-properties"/>
+    <ds:schemaRef ds:uri="http://www.w3.org/2001/XMLSchema"/>
   </ds:schemaRefs>
 </ds:datastoreItem>
 </file>
 
 <file path=customXml/itemProps3.xml><?xml version="1.0" encoding="utf-8"?>
-<ds:datastoreItem xmlns:ds="http://schemas.openxmlformats.org/officeDocument/2006/customXml" ds:itemID="{7745B92C-4D89-4324-B52D-E1F5F627B790}">
+<ds:datastoreItem xmlns:ds="http://schemas.openxmlformats.org/officeDocument/2006/customXml" ds:itemID="{E7228C0C-F774-4270-99CB-314B07EBFBE7}">
   <ds:schemaRefs>
-    <ds:schemaRef ds:uri="http://schemas.microsoft.com/sharepoint/v3/contenttype/forms"/>
+    <ds:schemaRef ds:uri="71af3243-3dd4-4a8d-8c0d-dd76da1f02a5"/>
+    <ds:schemaRef ds:uri="http://schemas.microsoft.com/office/2006/metadata/properties"/>
+    <ds:schemaRef ds:uri="http://schemas.microsoft.com/office/infopath/2007/PartnerControls"/>
   </ds:schemaRefs>
 </ds:datastoreItem>
 </file>